--- a/_知乎AI大模型课堂笔记.pptx
+++ b/_知乎AI大模型课堂笔记.pptx
@@ -11933,7 +11933,7 @@
             </a:r>
           </a:p>
           <a:p>
-            <a:pPr lvl="2">
+            <a:pPr lvl="3">
               <a:lnSpc>
                 <a:spcPct val="100000"/>
               </a:lnSpc>
@@ -11947,7 +11947,7 @@
             </a:r>
           </a:p>
           <a:p>
-            <a:pPr lvl="2">
+            <a:pPr lvl="3">
               <a:lnSpc>
                 <a:spcPct val="100000"/>
               </a:lnSpc>
@@ -11970,7 +11970,7 @@
             <a:endParaRPr lang="en-US" altLang="zh-CN" sz="1000" dirty="0"/>
           </a:p>
           <a:p>
-            <a:pPr lvl="2">
+            <a:pPr lvl="3">
               <a:lnSpc>
                 <a:spcPct val="100000"/>
               </a:lnSpc>
@@ -12004,7 +12004,7 @@
             </a:r>
           </a:p>
           <a:p>
-            <a:pPr lvl="2">
+            <a:pPr lvl="3">
               <a:lnSpc>
                 <a:spcPct val="100000"/>
               </a:lnSpc>
@@ -12019,7 +12019,7 @@
             <a:endParaRPr lang="en-US" altLang="zh-CN" sz="1000" dirty="0"/>
           </a:p>
           <a:p>
-            <a:pPr lvl="2">
+            <a:pPr lvl="3">
               <a:lnSpc>
                 <a:spcPct val="100000"/>
               </a:lnSpc>
@@ -12527,11 +12527,7 @@
             </a:pPr>
             <a:r>
               <a:rPr lang="zh-CN" altLang="en-US" sz="1000" dirty="0"/>
-              <a:t>可视化流程，可</a:t>
-            </a:r>
-            <a:r>
-              <a:rPr lang="zh-CN" altLang="en-US" sz="1000"/>
-              <a:t>配置</a:t>
+              <a:t>可视化流程，可配置</a:t>
             </a:r>
             <a:endParaRPr lang="en-US" altLang="zh-CN" sz="1000" dirty="0"/>
           </a:p>
@@ -25470,6 +25466,20 @@
 </file>
 
 <file path=customXml/item1.xml><?xml version="1.0" encoding="utf-8"?>
+<p:properties xmlns:p="http://schemas.microsoft.com/office/2006/metadata/properties" xmlns:xsi="http://www.w3.org/2001/XMLSchema-instance" xmlns:pc="http://schemas.microsoft.com/office/infopath/2007/PartnerControls">
+  <documentManagement>
+    <TaxCatchAll xmlns="97934b4b-eba6-486d-bfc1-4b8e3fe39092" xsi:nil="true"/>
+    <lcf76f155ced4ddcb4097134ff3c332f xmlns="0a5c0dea-e5d7-4228-9256-3793bb42faa5">
+      <Terms xmlns="http://schemas.microsoft.com/office/infopath/2007/PartnerControls"/>
+    </lcf76f155ced4ddcb4097134ff3c332f>
+    <OneNoteFluid_FileOrder xmlns="0a5c0dea-e5d7-4228-9256-3793bb42faa5" xsi:nil="true"/>
+    <_ip_UnifiedCompliancePolicyUIAction xmlns="http://schemas.microsoft.com/sharepoint/v3" xsi:nil="true"/>
+    <_ip_UnifiedCompliancePolicyProperties xmlns="http://schemas.microsoft.com/sharepoint/v3" xsi:nil="true"/>
+  </documentManagement>
+</p:properties>
+</file>
+
+<file path=customXml/item2.xml><?xml version="1.0" encoding="utf-8"?>
 <ct:contentTypeSchema xmlns:ct="http://schemas.microsoft.com/office/2006/metadata/contentType" xmlns:ma="http://schemas.microsoft.com/office/2006/metadata/properties/metaAttributes" ct:_="" ma:_="" ma:contentTypeName="Document" ma:contentTypeID="0x010100D1443A8EF62DE444B1FF07917E22EF72" ma:contentTypeVersion="17" ma:contentTypeDescription="Create a new document." ma:contentTypeScope="" ma:versionID="ae809626c8abf568b6a415226af21ced">
   <xsd:schema xmlns:xsd="http://www.w3.org/2001/XMLSchema" xmlns:xs="http://www.w3.org/2001/XMLSchema" xmlns:p="http://schemas.microsoft.com/office/2006/metadata/properties" xmlns:ns1="http://schemas.microsoft.com/sharepoint/v3" xmlns:ns2="0a5c0dea-e5d7-4228-9256-3793bb42faa5" xmlns:ns3="97934b4b-eba6-486d-bfc1-4b8e3fe39092" targetNamespace="http://schemas.microsoft.com/office/2006/metadata/properties" ma:root="true" ma:fieldsID="1ffe3db4c8c97a24da98b2b5f963ec28" ns1:_="" ns2:_="" ns3:_="">
     <xsd:import namespace="http://schemas.microsoft.com/sharepoint/v3"/>
@@ -25725,20 +25735,6 @@
 </ct:contentTypeSchema>
 </file>
 
-<file path=customXml/item2.xml><?xml version="1.0" encoding="utf-8"?>
-<p:properties xmlns:p="http://schemas.microsoft.com/office/2006/metadata/properties" xmlns:xsi="http://www.w3.org/2001/XMLSchema-instance" xmlns:pc="http://schemas.microsoft.com/office/infopath/2007/PartnerControls">
-  <documentManagement>
-    <TaxCatchAll xmlns="97934b4b-eba6-486d-bfc1-4b8e3fe39092" xsi:nil="true"/>
-    <lcf76f155ced4ddcb4097134ff3c332f xmlns="0a5c0dea-e5d7-4228-9256-3793bb42faa5">
-      <Terms xmlns="http://schemas.microsoft.com/office/infopath/2007/PartnerControls"/>
-    </lcf76f155ced4ddcb4097134ff3c332f>
-    <OneNoteFluid_FileOrder xmlns="0a5c0dea-e5d7-4228-9256-3793bb42faa5" xsi:nil="true"/>
-    <_ip_UnifiedCompliancePolicyUIAction xmlns="http://schemas.microsoft.com/sharepoint/v3" xsi:nil="true"/>
-    <_ip_UnifiedCompliancePolicyProperties xmlns="http://schemas.microsoft.com/sharepoint/v3" xsi:nil="true"/>
-  </documentManagement>
-</p:properties>
-</file>
-
 <file path=customXml/item3.xml><?xml version="1.0" encoding="utf-8"?>
 <?mso-contentType ?>
 <FormTemplates xmlns="http://schemas.microsoft.com/sharepoint/v3/contenttype/forms">
@@ -25749,6 +25745,18 @@
 </file>
 
 <file path=customXml/itemProps1.xml><?xml version="1.0" encoding="utf-8"?>
+<ds:datastoreItem xmlns:ds="http://schemas.openxmlformats.org/officeDocument/2006/customXml" ds:itemID="{A4FD3A2D-9ACF-4CE0-AD5C-D8BFB731DF21}">
+  <ds:schemaRefs>
+    <ds:schemaRef ds:uri="http://schemas.microsoft.com/office/2006/metadata/properties"/>
+    <ds:schemaRef ds:uri="http://schemas.microsoft.com/office/infopath/2007/PartnerControls"/>
+    <ds:schemaRef ds:uri="97934b4b-eba6-486d-bfc1-4b8e3fe39092"/>
+    <ds:schemaRef ds:uri="0a5c0dea-e5d7-4228-9256-3793bb42faa5"/>
+    <ds:schemaRef ds:uri="http://schemas.microsoft.com/sharepoint/v3"/>
+  </ds:schemaRefs>
+</ds:datastoreItem>
+</file>
+
+<file path=customXml/itemProps2.xml><?xml version="1.0" encoding="utf-8"?>
 <ds:datastoreItem xmlns:ds="http://schemas.openxmlformats.org/officeDocument/2006/customXml" ds:itemID="{886BF683-1E58-4095-AB56-31070FA8BAA7}">
   <ds:schemaRefs>
     <ds:schemaRef ds:uri="http://schemas.microsoft.com/office/2006/metadata/contentType"/>
@@ -25768,18 +25776,6 @@
 </ds:datastoreItem>
 </file>
 
-<file path=customXml/itemProps2.xml><?xml version="1.0" encoding="utf-8"?>
-<ds:datastoreItem xmlns:ds="http://schemas.openxmlformats.org/officeDocument/2006/customXml" ds:itemID="{A4FD3A2D-9ACF-4CE0-AD5C-D8BFB731DF21}">
-  <ds:schemaRefs>
-    <ds:schemaRef ds:uri="http://schemas.microsoft.com/office/2006/metadata/properties"/>
-    <ds:schemaRef ds:uri="http://schemas.microsoft.com/office/infopath/2007/PartnerControls"/>
-    <ds:schemaRef ds:uri="97934b4b-eba6-486d-bfc1-4b8e3fe39092"/>
-    <ds:schemaRef ds:uri="0a5c0dea-e5d7-4228-9256-3793bb42faa5"/>
-    <ds:schemaRef ds:uri="http://schemas.microsoft.com/sharepoint/v3"/>
-  </ds:schemaRefs>
-</ds:datastoreItem>
-</file>
-
 <file path=customXml/itemProps3.xml><?xml version="1.0" encoding="utf-8"?>
 <ds:datastoreItem xmlns:ds="http://schemas.openxmlformats.org/officeDocument/2006/customXml" ds:itemID="{C7EF7CA2-EC42-4E6A-98B2-DF875A7FA328}">
   <ds:schemaRefs>
